--- a/Study Staurday - w1.pptx
+++ b/Study Staurday - w1.pptx
@@ -4030,7 +4030,7 @@
             </a:pPr>
             <a:r>
               <a:rPr lang="en-US" dirty="0"/>
-              <a:t>Create a folder ‘route’ </a:t>
+              <a:t>In your ‘route’ folder:</a:t>
             </a:r>
           </a:p>
           <a:p>

--- a/Study Staurday - w1.pptx
+++ b/Study Staurday - w1.pptx
@@ -4193,7 +4193,7 @@
             </a:pPr>
             <a:r>
               <a:rPr lang="en-US" dirty="0"/>
-              <a:t>Review at 1:00am</a:t>
+              <a:t>Review at 1:00pm</a:t>
             </a:r>
           </a:p>
         </p:txBody>
